--- a/documents/Progress_Presentation_team_White.pptx
+++ b/documents/Progress_Presentation_team_White.pptx
@@ -807,7 +807,7 @@
               </a:spcAft>
               <a:buNone/>
             </a:pPr>
-            <a:endParaRPr/>
+            <a:endParaRPr dirty="0"/>
           </a:p>
         </p:txBody>
       </p:sp>
@@ -1472,7 +1472,7 @@
         </p:nvSpPr>
         <p:spPr>
           <a:xfrm>
-            <a:off x="381300" y="685800"/>
+            <a:off x="381000" y="685800"/>
             <a:ext cx="6096000" cy="3429000"/>
           </a:xfrm>
           <a:custGeom>
@@ -1888,7 +1888,7 @@
         </p:nvSpPr>
         <p:spPr>
           <a:xfrm>
-            <a:off x="381300" y="685800"/>
+            <a:off x="381000" y="685800"/>
             <a:ext cx="6096000" cy="3429000"/>
           </a:xfrm>
           <a:custGeom>
@@ -20577,7 +20577,7 @@
         </p:nvGraphicFramePr>
         <p:xfrm>
           <a:off x="952500" y="695300"/>
-          <a:ext cx="3000000" cy="3000000"/>
+          <a:ext cx="7239000" cy="4206060"/>
         </p:xfrm>
         <a:graphic>
           <a:graphicData uri="http://schemas.openxmlformats.org/drawingml/2006/table">
@@ -23076,30 +23076,32 @@
       </p:sp>
       <p:pic>
         <p:nvPicPr>
-          <p:cNvPr id="98" name="Google Shape;98;p18"/>
-          <p:cNvPicPr preferRelativeResize="0"/>
+          <p:cNvPr id="3" name="그림 2">
+            <a:extLst>
+              <a:ext uri="{FF2B5EF4-FFF2-40B4-BE49-F238E27FC236}">
+                <a16:creationId xmlns:a16="http://schemas.microsoft.com/office/drawing/2014/main" id="{9338B447-FE9E-0CE2-D53D-169AD881C771}"/>
+              </a:ext>
+            </a:extLst>
+          </p:cNvPr>
+          <p:cNvPicPr>
+            <a:picLocks noChangeAspect="1"/>
+          </p:cNvPicPr>
           <p:nvPr/>
         </p:nvPicPr>
         <p:blipFill>
-          <a:blip r:embed="rId3">
-            <a:alphaModFix/>
-          </a:blip>
+          <a:blip r:embed="rId3"/>
           <a:stretch>
             <a:fillRect/>
           </a:stretch>
         </p:blipFill>
         <p:spPr>
           <a:xfrm>
-            <a:off x="1091150" y="745700"/>
-            <a:ext cx="6961689" cy="4092999"/>
-          </a:xfrm>
-          <a:prstGeom prst="rect">
-            <a:avLst/>
-          </a:prstGeom>
-          <a:noFill/>
-          <a:ln>
-            <a:noFill/>
-          </a:ln>
+            <a:off x="1171982" y="674253"/>
+            <a:ext cx="6542464" cy="4241720"/>
+          </a:xfrm>
+          <a:prstGeom prst="rect">
+            <a:avLst/>
+          </a:prstGeom>
         </p:spPr>
       </p:pic>
     </p:spTree>

--- a/documents/Progress_Presentation_team_White.pptx
+++ b/documents/Progress_Presentation_team_White.pptx
@@ -952,7 +952,7 @@
         </p:nvSpPr>
         <p:spPr>
           <a:xfrm>
-            <a:off x="381300" y="685800"/>
+            <a:off x="381000" y="685800"/>
             <a:ext cx="6096000" cy="3429000"/>
           </a:xfrm>
           <a:custGeom>
@@ -8621,15 +8621,33 @@
               <a:buNone/>
             </a:pPr>
             <a:r>
-              <a:rPr lang="ko" b="1">
+              <a:rPr lang="ko" b="1" dirty="0">
                 <a:latin typeface="Malgun Gothic"/>
                 <a:ea typeface="Malgun Gothic"/>
                 <a:cs typeface="Malgun Gothic"/>
                 <a:sym typeface="Malgun Gothic"/>
               </a:rPr>
-              <a:t>Input FIles</a:t>
+              <a:t>Input F</a:t>
             </a:r>
-            <a:endParaRPr>
+            <a:r>
+              <a:rPr lang="en-US" altLang="ko" b="1" dirty="0" err="1">
+                <a:latin typeface="Malgun Gothic"/>
+                <a:ea typeface="Malgun Gothic"/>
+                <a:cs typeface="Malgun Gothic"/>
+                <a:sym typeface="Malgun Gothic"/>
+              </a:rPr>
+              <a:t>i</a:t>
+            </a:r>
+            <a:r>
+              <a:rPr lang="ko" b="1" dirty="0">
+                <a:latin typeface="Malgun Gothic"/>
+                <a:ea typeface="Malgun Gothic"/>
+                <a:cs typeface="Malgun Gothic"/>
+                <a:sym typeface="Malgun Gothic"/>
+              </a:rPr>
+              <a:t>les</a:t>
+            </a:r>
+            <a:endParaRPr dirty="0">
               <a:latin typeface="Malgun Gothic"/>
               <a:ea typeface="Malgun Gothic"/>
               <a:cs typeface="Malgun Gothic"/>
@@ -8786,7 +8804,7 @@
               <a:buNone/>
             </a:pPr>
             <a:r>
-              <a:rPr lang="ko" b="1">
+              <a:rPr lang="ko" b="1" dirty="0">
                 <a:latin typeface="Malgun Gothic"/>
                 <a:ea typeface="Malgun Gothic"/>
                 <a:cs typeface="Malgun Gothic"/>
@@ -8794,7 +8812,7 @@
               </a:rPr>
               <a:t>Data Chunk</a:t>
             </a:r>
-            <a:endParaRPr b="1">
+            <a:endParaRPr b="1" dirty="0">
               <a:latin typeface="Malgun Gothic"/>
               <a:ea typeface="Malgun Gothic"/>
               <a:cs typeface="Malgun Gothic"/>
@@ -8812,7 +8830,7 @@
               <a:buNone/>
             </a:pPr>
             <a:r>
-              <a:rPr lang="ko">
+              <a:rPr lang="ko" dirty="0">
                 <a:latin typeface="Malgun Gothic"/>
                 <a:ea typeface="Malgun Gothic"/>
                 <a:cs typeface="Malgun Gothic"/>
@@ -8820,7 +8838,7 @@
               </a:rPr>
               <a:t>(100MB)</a:t>
             </a:r>
-            <a:endParaRPr>
+            <a:endParaRPr dirty="0">
               <a:latin typeface="Malgun Gothic"/>
               <a:ea typeface="Malgun Gothic"/>
               <a:cs typeface="Malgun Gothic"/>
@@ -23197,11 +23215,17 @@
         <p:nvGraphicFramePr>
           <p:cNvPr id="104" name="Google Shape;104;p19"/>
           <p:cNvGraphicFramePr/>
-          <p:nvPr/>
+          <p:nvPr>
+            <p:extLst>
+              <p:ext uri="{D42A27DB-BD31-4B8C-83A1-F6EECF244321}">
+                <p14:modId xmlns:p14="http://schemas.microsoft.com/office/powerpoint/2010/main" val="972111333"/>
+              </p:ext>
+            </p:extLst>
+          </p:nvPr>
         </p:nvGraphicFramePr>
         <p:xfrm>
           <a:off x="952500" y="862700"/>
-          <a:ext cx="7239000" cy="4009265"/>
+          <a:ext cx="7239000" cy="3451240"/>
         </p:xfrm>
         <a:graphic>
           <a:graphicData uri="http://schemas.openxmlformats.org/drawingml/2006/table">
@@ -23952,10 +23976,10 @@
                         <a:buNone/>
                       </a:pPr>
                       <a:r>
-                        <a:rPr lang="ko"/>
+                        <a:rPr lang="ko" dirty="0"/>
                         <a:t>-</a:t>
                       </a:r>
-                      <a:endParaRPr/>
+                      <a:endParaRPr dirty="0"/>
                     </a:p>
                   </a:txBody>
                   <a:tcPr marL="91425" marR="91425" marT="91425" marB="91425" anchor="ctr"/>
@@ -23963,129 +23987,6 @@
                 <a:extLst>
                   <a:ext uri="{0D108BD9-81ED-4DB2-BD59-A6C34878D82A}">
                     <a16:rowId xmlns:a16="http://schemas.microsoft.com/office/drawing/2014/main" val="10005"/>
-                  </a:ext>
-                </a:extLst>
-              </a:tr>
-              <a:tr h="558025">
-                <a:tc>
-                  <a:txBody>
-                    <a:bodyPr/>
-                    <a:lstStyle/>
-                    <a:p>
-                      <a:pPr marL="0" lvl="0" indent="0" algn="l" rtl="0">
-                        <a:spcBef>
-                          <a:spcPts val="0"/>
-                        </a:spcBef>
-                        <a:spcAft>
-                          <a:spcPts val="0"/>
-                        </a:spcAft>
-                        <a:buNone/>
-                      </a:pPr>
-                      <a:r>
-                        <a:rPr lang="ko"/>
-                        <a:t>signalWorkerDone</a:t>
-                      </a:r>
-                      <a:endParaRPr/>
-                    </a:p>
-                  </a:txBody>
-                  <a:tcPr marL="91425" marR="91425" marT="91425" marB="91425" anchor="ctr">
-                    <a:lnL w="9525" cap="flat" cmpd="sng">
-                      <a:solidFill>
-                        <a:srgbClr val="9E9E9E"/>
-                      </a:solidFill>
-                      <a:prstDash val="solid"/>
-                      <a:round/>
-                      <a:headEnd type="none" w="sm" len="sm"/>
-                      <a:tailEnd type="none" w="sm" len="sm"/>
-                    </a:lnL>
-                    <a:lnR w="9525" cap="flat" cmpd="sng">
-                      <a:solidFill>
-                        <a:srgbClr val="9E9E9E"/>
-                      </a:solidFill>
-                      <a:prstDash val="solid"/>
-                      <a:round/>
-                      <a:headEnd type="none" w="sm" len="sm"/>
-                      <a:tailEnd type="none" w="sm" len="sm"/>
-                    </a:lnR>
-                    <a:lnT w="9525" cap="flat" cmpd="sng">
-                      <a:solidFill>
-                        <a:srgbClr val="9E9E9E"/>
-                      </a:solidFill>
-                      <a:prstDash val="solid"/>
-                      <a:round/>
-                      <a:headEnd type="none" w="sm" len="sm"/>
-                      <a:tailEnd type="none" w="sm" len="sm"/>
-                    </a:lnT>
-                    <a:lnB w="9525" cap="flat" cmpd="sng">
-                      <a:solidFill>
-                        <a:srgbClr val="9E9E9E"/>
-                      </a:solidFill>
-                      <a:prstDash val="solid"/>
-                      <a:round/>
-                      <a:headEnd type="none" w="sm" len="sm"/>
-                      <a:tailEnd type="none" w="sm" len="sm"/>
-                    </a:lnB>
-                  </a:tcPr>
-                </a:tc>
-                <a:tc>
-                  <a:txBody>
-                    <a:bodyPr/>
-                    <a:lstStyle/>
-                    <a:p>
-                      <a:pPr marL="0" lvl="0" indent="0" algn="ctr" rtl="0">
-                        <a:spcBef>
-                          <a:spcPts val="0"/>
-                        </a:spcBef>
-                        <a:spcAft>
-                          <a:spcPts val="0"/>
-                        </a:spcAft>
-                        <a:buNone/>
-                      </a:pPr>
-                      <a:r>
-                        <a:rPr lang="ko"/>
-                        <a:t>worker ID</a:t>
-                      </a:r>
-                      <a:endParaRPr/>
-                    </a:p>
-                  </a:txBody>
-                  <a:tcPr marL="91425" marR="91425" marT="91425" marB="91425" anchor="ctr">
-                    <a:lnL w="9525" cap="flat" cmpd="sng">
-                      <a:solidFill>
-                        <a:srgbClr val="9E9E9E"/>
-                      </a:solidFill>
-                      <a:prstDash val="solid"/>
-                      <a:round/>
-                      <a:headEnd type="none" w="sm" len="sm"/>
-                      <a:tailEnd type="none" w="sm" len="sm"/>
-                    </a:lnL>
-                  </a:tcPr>
-                </a:tc>
-                <a:tc>
-                  <a:txBody>
-                    <a:bodyPr/>
-                    <a:lstStyle/>
-                    <a:p>
-                      <a:pPr marL="0" lvl="0" indent="0" algn="ctr" rtl="0">
-                        <a:spcBef>
-                          <a:spcPts val="0"/>
-                        </a:spcBef>
-                        <a:spcAft>
-                          <a:spcPts val="0"/>
-                        </a:spcAft>
-                        <a:buNone/>
-                      </a:pPr>
-                      <a:r>
-                        <a:rPr lang="ko"/>
-                        <a:t>-</a:t>
-                      </a:r>
-                      <a:endParaRPr/>
-                    </a:p>
-                  </a:txBody>
-                  <a:tcPr marL="91425" marR="91425" marT="91425" marB="91425" anchor="ctr"/>
-                </a:tc>
-                <a:extLst>
-                  <a:ext uri="{0D108BD9-81ED-4DB2-BD59-A6C34878D82A}">
-                    <a16:rowId xmlns:a16="http://schemas.microsoft.com/office/drawing/2014/main" val="10006"/>
                   </a:ext>
                 </a:extLst>
               </a:tr>

--- a/documents/Progress_Presentation_team_White.pptx
+++ b/documents/Progress_Presentation_team_White.pptx
@@ -1160,7 +1160,7 @@
         </p:nvSpPr>
         <p:spPr>
           <a:xfrm>
-            <a:off x="381300" y="685800"/>
+            <a:off x="381000" y="685800"/>
             <a:ext cx="6096000" cy="3429000"/>
           </a:xfrm>
           <a:custGeom>
@@ -18725,11 +18725,17 @@
         <p:nvGraphicFramePr>
           <p:cNvPr id="381" name="Google Shape;381;p25"/>
           <p:cNvGraphicFramePr/>
-          <p:nvPr/>
+          <p:nvPr>
+            <p:extLst>
+              <p:ext uri="{D42A27DB-BD31-4B8C-83A1-F6EECF244321}">
+                <p14:modId xmlns:p14="http://schemas.microsoft.com/office/powerpoint/2010/main" val="685347312"/>
+              </p:ext>
+            </p:extLst>
+          </p:nvPr>
         </p:nvGraphicFramePr>
         <p:xfrm>
           <a:off x="952500" y="654600"/>
-          <a:ext cx="3000000" cy="3000000"/>
+          <a:ext cx="7239000" cy="4358310"/>
         </p:xfrm>
         <a:graphic>
           <a:graphicData uri="http://schemas.openxmlformats.org/drawingml/2006/table">
@@ -19386,10 +19392,10 @@
                         <a:buNone/>
                       </a:pPr>
                       <a:r>
-                        <a:rPr lang="ko"/>
-                        <a:t>X</a:t>
+                        <a:rPr lang="ko-KR" altLang="en-US" dirty="0"/>
+                        <a:t>△</a:t>
                       </a:r>
-                      <a:endParaRPr/>
+                      <a:endParaRPr dirty="0"/>
                     </a:p>
                   </a:txBody>
                   <a:tcPr marL="91425" marR="91425" marT="91425" marB="91425"/>
@@ -19478,10 +19484,10 @@
                         <a:buNone/>
                       </a:pPr>
                       <a:r>
-                        <a:rPr lang="ko"/>
-                        <a:t>O</a:t>
+                        <a:rPr lang="ko-KR" altLang="en-US" dirty="0"/>
+                        <a:t>△</a:t>
                       </a:r>
-                      <a:endParaRPr/>
+                      <a:endParaRPr dirty="0"/>
                     </a:p>
                   </a:txBody>
                   <a:tcPr marL="91425" marR="91425" marT="91425" marB="91425"/>
@@ -19570,10 +19576,10 @@
                         <a:buNone/>
                       </a:pPr>
                       <a:r>
-                        <a:rPr lang="ko"/>
-                        <a:t>X</a:t>
+                        <a:rPr lang="ko-KR" altLang="en-US" dirty="0"/>
+                        <a:t>△</a:t>
                       </a:r>
-                      <a:endParaRPr/>
+                      <a:endParaRPr dirty="0"/>
                     </a:p>
                   </a:txBody>
                   <a:tcPr marL="91425" marR="91425" marT="91425" marB="91425"/>
@@ -19682,10 +19688,10 @@
                         <a:buNone/>
                       </a:pPr>
                       <a:r>
-                        <a:rPr lang="ko"/>
-                        <a:t>O</a:t>
+                        <a:rPr lang="ko-KR" altLang="en-US" dirty="0"/>
+                        <a:t>△</a:t>
                       </a:r>
-                      <a:endParaRPr/>
+                      <a:endParaRPr dirty="0"/>
                     </a:p>
                   </a:txBody>
                   <a:tcPr marL="91425" marR="91425" marT="91425" marB="91425">
@@ -19864,10 +19870,10 @@
                         <a:buNone/>
                       </a:pPr>
                       <a:r>
-                        <a:rPr lang="ko"/>
-                        <a:t>X</a:t>
+                        <a:rPr lang="ko-KR" altLang="en-US"/>
+                        <a:t>△</a:t>
                       </a:r>
-                      <a:endParaRPr/>
+                      <a:endParaRPr dirty="0"/>
                     </a:p>
                   </a:txBody>
                   <a:tcPr marL="91425" marR="91425" marT="91425" marB="91425">
